--- a/다이어리사진.pptx
+++ b/다이어리사진.pptx
@@ -3104,7 +3104,7 @@
         </p:blipFill>
         <p:spPr>
           <a:xfrm rot="5400000">
-            <a:off x="182880" y="-182880"/>
+            <a:off x="0" y="0"/>
             <a:ext cx="1188720" cy="1584960"/>
           </a:xfrm>
           <a:prstGeom prst="rect">
@@ -3128,7 +3128,7 @@
         </p:blipFill>
         <p:spPr>
           <a:xfrm rot="5400000">
-            <a:off x="182880" y="-182880"/>
+            <a:off x="0" y="0"/>
             <a:ext cx="1188720" cy="1584960"/>
           </a:xfrm>
           <a:prstGeom prst="rect">
@@ -3152,7 +3152,7 @@
         </p:blipFill>
         <p:spPr>
           <a:xfrm>
-            <a:off x="182880" y="-182880"/>
+            <a:off x="0" y="0"/>
             <a:ext cx="1584960" cy="1188720"/>
           </a:xfrm>
           <a:prstGeom prst="rect">

--- a/다이어리사진.pptx
+++ b/다이어리사진.pptx
@@ -7,7 +7,7 @@
   <p:sldIdLst>
     <p:sldId id="256" r:id="rId7"/>
   </p:sldIdLst>
-  <p:sldSz cx="10689336" cy="7562088" type="screen4x3"/>
+  <p:sldSz cx="10692000" cy="7560000" type="screen4x3"/>
   <p:notesSz cx="6858000" cy="9144000"/>
   <p:defaultTextStyle>
     <a:defPPr>
@@ -3090,7 +3090,7 @@
       <p:grpSpPr/>
       <p:pic>
         <p:nvPicPr>
-          <p:cNvPr id="2" name="Picture 1" descr="KakaoTalk_20220511_180203657.jpg"/>
+          <p:cNvPr id="2" name="Picture 1" descr="KakaoTalk_20220524_113943101.jpg"/>
           <p:cNvPicPr>
             <a:picLocks noChangeAspect="1"/>
           </p:cNvPicPr>
@@ -3104,8 +3104,8 @@
         </p:blipFill>
         <p:spPr>
           <a:xfrm rot="5400000">
-            <a:off x="0" y="0"/>
-            <a:ext cx="1188720" cy="1584960"/>
+            <a:off x="198000" y="-198000"/>
+            <a:ext cx="1188000" cy="1584000"/>
           </a:xfrm>
           <a:prstGeom prst="rect">
             <a:avLst/>
@@ -3114,7 +3114,7 @@
       </p:pic>
       <p:pic>
         <p:nvPicPr>
-          <p:cNvPr id="3" name="Picture 2" descr="KakaoTalk_20220524_113943101_06.jpg"/>
+          <p:cNvPr id="3" name="Picture 2" descr="KakaoTalk_20220524_113943101_01.jpg"/>
           <p:cNvPicPr>
             <a:picLocks noChangeAspect="1"/>
           </p:cNvPicPr>
@@ -3128,8 +3128,8 @@
         </p:blipFill>
         <p:spPr>
           <a:xfrm rot="5400000">
-            <a:off x="0" y="0"/>
-            <a:ext cx="1188720" cy="1584960"/>
+            <a:off x="1782000" y="-198000"/>
+            <a:ext cx="1188000" cy="1584000"/>
           </a:xfrm>
           <a:prstGeom prst="rect">
             <a:avLst/>
@@ -3138,7 +3138,7 @@
       </p:pic>
       <p:pic>
         <p:nvPicPr>
-          <p:cNvPr id="4" name="Picture 3" descr="돌린사진.jpg"/>
+          <p:cNvPr id="4" name="Picture 3" descr="KakaoTalk_20220524_113943101_02.jpg"/>
           <p:cNvPicPr>
             <a:picLocks noChangeAspect="1"/>
           </p:cNvPicPr>
@@ -3151,9 +3151,177 @@
           </a:stretch>
         </p:blipFill>
         <p:spPr>
-          <a:xfrm>
-            <a:off x="0" y="0"/>
-            <a:ext cx="1584960" cy="1188720"/>
+          <a:xfrm rot="5400000">
+            <a:off x="3366000" y="-198000"/>
+            <a:ext cx="1188000" cy="1584000"/>
+          </a:xfrm>
+          <a:prstGeom prst="rect">
+            <a:avLst/>
+          </a:prstGeom>
+        </p:spPr>
+      </p:pic>
+      <p:pic>
+        <p:nvPicPr>
+          <p:cNvPr id="5" name="Picture 4" descr="KakaoTalk_20220524_113943101_04.jpg"/>
+          <p:cNvPicPr>
+            <a:picLocks noChangeAspect="1"/>
+          </p:cNvPicPr>
+          <p:nvPr/>
+        </p:nvPicPr>
+        <p:blipFill>
+          <a:blip r:embed="rId5"/>
+          <a:stretch>
+            <a:fillRect/>
+          </a:stretch>
+        </p:blipFill>
+        <p:spPr>
+          <a:xfrm rot="5400000">
+            <a:off x="4950000" y="-198000"/>
+            <a:ext cx="1188000" cy="1584000"/>
+          </a:xfrm>
+          <a:prstGeom prst="rect">
+            <a:avLst/>
+          </a:prstGeom>
+        </p:spPr>
+      </p:pic>
+      <p:pic>
+        <p:nvPicPr>
+          <p:cNvPr id="6" name="Picture 5" descr="KakaoTalk_20220524_113943101_05.jpg"/>
+          <p:cNvPicPr>
+            <a:picLocks noChangeAspect="1"/>
+          </p:cNvPicPr>
+          <p:nvPr/>
+        </p:nvPicPr>
+        <p:blipFill>
+          <a:blip r:embed="rId6"/>
+          <a:stretch>
+            <a:fillRect/>
+          </a:stretch>
+        </p:blipFill>
+        <p:spPr>
+          <a:xfrm rot="5400000">
+            <a:off x="6534000" y="-198000"/>
+            <a:ext cx="1188000" cy="1584000"/>
+          </a:xfrm>
+          <a:prstGeom prst="rect">
+            <a:avLst/>
+          </a:prstGeom>
+        </p:spPr>
+      </p:pic>
+      <p:pic>
+        <p:nvPicPr>
+          <p:cNvPr id="7" name="Picture 6" descr="KakaoTalk_20220524_113943101_06.jpg"/>
+          <p:cNvPicPr>
+            <a:picLocks noChangeAspect="1"/>
+          </p:cNvPicPr>
+          <p:nvPr/>
+        </p:nvPicPr>
+        <p:blipFill>
+          <a:blip r:embed="rId7"/>
+          <a:stretch>
+            <a:fillRect/>
+          </a:stretch>
+        </p:blipFill>
+        <p:spPr>
+          <a:xfrm rot="5400000">
+            <a:off x="8118000" y="-198000"/>
+            <a:ext cx="1188000" cy="1584000"/>
+          </a:xfrm>
+          <a:prstGeom prst="rect">
+            <a:avLst/>
+          </a:prstGeom>
+        </p:spPr>
+      </p:pic>
+      <p:pic>
+        <p:nvPicPr>
+          <p:cNvPr id="8" name="Picture 7" descr="KakaoTalk_20220524_113943101_07.jpg"/>
+          <p:cNvPicPr>
+            <a:picLocks noChangeAspect="1"/>
+          </p:cNvPicPr>
+          <p:nvPr/>
+        </p:nvPicPr>
+        <p:blipFill>
+          <a:blip r:embed="rId8"/>
+          <a:stretch>
+            <a:fillRect/>
+          </a:stretch>
+        </p:blipFill>
+        <p:spPr>
+          <a:xfrm rot="5400000">
+            <a:off x="198000" y="990000"/>
+            <a:ext cx="1188000" cy="1584000"/>
+          </a:xfrm>
+          <a:prstGeom prst="rect">
+            <a:avLst/>
+          </a:prstGeom>
+        </p:spPr>
+      </p:pic>
+      <p:pic>
+        <p:nvPicPr>
+          <p:cNvPr id="9" name="Picture 8" descr="KakaoTalk_20220524_113943101_08.jpg"/>
+          <p:cNvPicPr>
+            <a:picLocks noChangeAspect="1"/>
+          </p:cNvPicPr>
+          <p:nvPr/>
+        </p:nvPicPr>
+        <p:blipFill>
+          <a:blip r:embed="rId9"/>
+          <a:stretch>
+            <a:fillRect/>
+          </a:stretch>
+        </p:blipFill>
+        <p:spPr>
+          <a:xfrm rot="5400000">
+            <a:off x="1782000" y="990000"/>
+            <a:ext cx="1188000" cy="1584000"/>
+          </a:xfrm>
+          <a:prstGeom prst="rect">
+            <a:avLst/>
+          </a:prstGeom>
+        </p:spPr>
+      </p:pic>
+      <p:pic>
+        <p:nvPicPr>
+          <p:cNvPr id="10" name="Picture 9" descr="KakaoTalk_20220524_113943101_09.jpg"/>
+          <p:cNvPicPr>
+            <a:picLocks noChangeAspect="1"/>
+          </p:cNvPicPr>
+          <p:nvPr/>
+        </p:nvPicPr>
+        <p:blipFill>
+          <a:blip r:embed="rId10"/>
+          <a:stretch>
+            <a:fillRect/>
+          </a:stretch>
+        </p:blipFill>
+        <p:spPr>
+          <a:xfrm rot="5400000">
+            <a:off x="3366000" y="990000"/>
+            <a:ext cx="1188000" cy="1584000"/>
+          </a:xfrm>
+          <a:prstGeom prst="rect">
+            <a:avLst/>
+          </a:prstGeom>
+        </p:spPr>
+      </p:pic>
+      <p:pic>
+        <p:nvPicPr>
+          <p:cNvPr id="11" name="Picture 10" descr="KakaoTalk_20220524_113943101_10.jpg"/>
+          <p:cNvPicPr>
+            <a:picLocks noChangeAspect="1"/>
+          </p:cNvPicPr>
+          <p:nvPr/>
+        </p:nvPicPr>
+        <p:blipFill>
+          <a:blip r:embed="rId11"/>
+          <a:stretch>
+            <a:fillRect/>
+          </a:stretch>
+        </p:blipFill>
+        <p:spPr>
+          <a:xfrm rot="5400000">
+            <a:off x="4950000" y="990000"/>
+            <a:ext cx="1188000" cy="1584000"/>
           </a:xfrm>
           <a:prstGeom prst="rect">
             <a:avLst/>
